--- a/docs/diagrams/StorageComponentClassDiagram.pptx
+++ b/docs/diagrams/StorageComponentClassDiagram.pptx
@@ -1,6 +1,6 @@
 
 <file path=ppt/presentation.xml><?xml version="1.0" encoding="utf-8"?>
-<p:presentation xmlns:a="http://schemas.openxmlformats.org/drawingml/2006/main" xmlns:r="http://schemas.openxmlformats.org/officeDocument/2006/relationships" xmlns:p="http://schemas.openxmlformats.org/presentationml/2006/main" saveSubsetFonts="1">
+<p:presentation xmlns:a="http://schemas.openxmlformats.org/drawingml/2006/main" xmlns:r="http://schemas.openxmlformats.org/officeDocument/2006/relationships" xmlns:p="http://schemas.openxmlformats.org/presentationml/2006/main" removePersonalInfoOnSave="1" saveSubsetFonts="1">
   <p:sldMasterIdLst>
     <p:sldMasterId id="2147483648" r:id="rId1"/>
   </p:sldMasterIdLst>
@@ -126,427 +126,6 @@
 </p:presentation>
 </file>
 
-<file path=ppt/revisionInfo.xml><?xml version="1.0" encoding="utf-8"?>
-<p1510:revInfo xmlns:a="http://schemas.openxmlformats.org/drawingml/2006/main" xmlns:r="http://schemas.openxmlformats.org/officeDocument/2006/relationships" xmlns:p1510="http://schemas.microsoft.com/office/powerpoint/2015/10/main">
-  <p1510:revLst>
-    <p1510:client id="{506C65B2-D229-1199-5B81-69A40BDAD3A6}" v="167" dt="2018-11-06T14:00:19.621"/>
-  </p1510:revLst>
-</p1510:revInfo>
-</file>
-
-<file path=ppt/changesInfos/changesInfo1.xml><?xml version="1.0" encoding="utf-8"?>
-<pc:chgInfo xmlns:a="http://schemas.openxmlformats.org/drawingml/2006/main" xmlns:r="http://schemas.openxmlformats.org/officeDocument/2006/relationships" xmlns:ac="http://schemas.microsoft.com/office/drawing/2013/main/command" xmlns:pc="http://schemas.microsoft.com/office/powerpoint/2013/main/command">
-  <pc:docChgLst>
-    <pc:chgData name="Julius Sander Nugroho" userId="S::e0175388@u.nus.edu::676b7903-60be-4a2c-9a21-bdd1db181a88" providerId="AD" clId="Web-{506C65B2-D229-1199-5B81-69A40BDAD3A6}"/>
-    <pc:docChg chg="modSld">
-      <pc:chgData name="Julius Sander Nugroho" userId="S::e0175388@u.nus.edu::676b7903-60be-4a2c-9a21-bdd1db181a88" providerId="AD" clId="Web-{506C65B2-D229-1199-5B81-69A40BDAD3A6}" dt="2018-11-06T14:02:15.995" v="303" actId="1076"/>
-      <pc:docMkLst>
-        <pc:docMk/>
-      </pc:docMkLst>
-      <pc:sldChg chg="addSp delSp modSp">
-        <pc:chgData name="Julius Sander Nugroho" userId="S::e0175388@u.nus.edu::676b7903-60be-4a2c-9a21-bdd1db181a88" providerId="AD" clId="Web-{506C65B2-D229-1199-5B81-69A40BDAD3A6}" dt="2018-11-06T14:02:15.995" v="303" actId="1076"/>
-        <pc:sldMkLst>
-          <pc:docMk/>
-          <pc:sldMk cId="1478832369" sldId="264"/>
-        </pc:sldMkLst>
-        <pc:spChg chg="mod">
-          <ac:chgData name="Julius Sander Nugroho" userId="S::e0175388@u.nus.edu::676b7903-60be-4a2c-9a21-bdd1db181a88" providerId="AD" clId="Web-{506C65B2-D229-1199-5B81-69A40BDAD3A6}" dt="2018-11-06T12:32:46.859" v="165" actId="20577"/>
-          <ac:spMkLst>
-            <pc:docMk/>
-            <pc:sldMk cId="1478832369" sldId="264"/>
-            <ac:spMk id="2" creationId="{00000000-0000-0000-0000-000000000000}"/>
-          </ac:spMkLst>
-        </pc:spChg>
-        <pc:spChg chg="mod">
-          <ac:chgData name="Julius Sander Nugroho" userId="S::e0175388@u.nus.edu::676b7903-60be-4a2c-9a21-bdd1db181a88" providerId="AD" clId="Web-{506C65B2-D229-1199-5B81-69A40BDAD3A6}" dt="2018-11-06T12:31:27.796" v="115" actId="14100"/>
-          <ac:spMkLst>
-            <pc:docMk/>
-            <pc:sldMk cId="1478832369" sldId="264"/>
-            <ac:spMk id="9" creationId="{00000000-0000-0000-0000-000000000000}"/>
-          </ac:spMkLst>
-        </pc:spChg>
-        <pc:spChg chg="add del">
-          <ac:chgData name="Julius Sander Nugroho" userId="S::e0175388@u.nus.edu::676b7903-60be-4a2c-9a21-bdd1db181a88" providerId="AD" clId="Web-{506C65B2-D229-1199-5B81-69A40BDAD3A6}" dt="2018-11-06T12:32:22.031" v="131"/>
-          <ac:spMkLst>
-            <pc:docMk/>
-            <pc:sldMk cId="1478832369" sldId="264"/>
-            <ac:spMk id="26" creationId="{5F120D53-280E-464D-B2BA-FFCB1504085F}"/>
-          </ac:spMkLst>
-        </pc:spChg>
-        <pc:spChg chg="add del">
-          <ac:chgData name="Julius Sander Nugroho" userId="S::e0175388@u.nus.edu::676b7903-60be-4a2c-9a21-bdd1db181a88" providerId="AD" clId="Web-{506C65B2-D229-1199-5B81-69A40BDAD3A6}" dt="2018-11-06T12:32:22.015" v="130"/>
-          <ac:spMkLst>
-            <pc:docMk/>
-            <pc:sldMk cId="1478832369" sldId="264"/>
-            <ac:spMk id="27" creationId="{AC751307-2F5A-4D1A-BF8D-8B1782601B10}"/>
-          </ac:spMkLst>
-        </pc:spChg>
-        <pc:spChg chg="add mod">
-          <ac:chgData name="Julius Sander Nugroho" userId="S::e0175388@u.nus.edu::676b7903-60be-4a2c-9a21-bdd1db181a88" providerId="AD" clId="Web-{506C65B2-D229-1199-5B81-69A40BDAD3A6}" dt="2018-11-06T13:55:23.324" v="208" actId="14100"/>
-          <ac:spMkLst>
-            <pc:docMk/>
-            <pc:sldMk cId="1478832369" sldId="264"/>
-            <ac:spMk id="29" creationId="{65952621-7961-4108-A51C-965A4A2A2421}"/>
-          </ac:spMkLst>
-        </pc:spChg>
-        <pc:spChg chg="add del">
-          <ac:chgData name="Julius Sander Nugroho" userId="S::e0175388@u.nus.edu::676b7903-60be-4a2c-9a21-bdd1db181a88" providerId="AD" clId="Web-{506C65B2-D229-1199-5B81-69A40BDAD3A6}" dt="2018-11-06T12:32:22.015" v="128"/>
-          <ac:spMkLst>
-            <pc:docMk/>
-            <pc:sldMk cId="1478832369" sldId="264"/>
-            <ac:spMk id="29" creationId="{7BC95A44-5F67-4B8A-81CC-DF58FD3CB850}"/>
-          </ac:spMkLst>
-        </pc:spChg>
-        <pc:spChg chg="add mod">
-          <ac:chgData name="Julius Sander Nugroho" userId="S::e0175388@u.nus.edu::676b7903-60be-4a2c-9a21-bdd1db181a88" providerId="AD" clId="Web-{506C65B2-D229-1199-5B81-69A40BDAD3A6}" dt="2018-11-06T12:32:52.468" v="169" actId="20577"/>
-          <ac:spMkLst>
-            <pc:docMk/>
-            <pc:sldMk cId="1478832369" sldId="264"/>
-            <ac:spMk id="30" creationId="{367C9AFE-2593-4350-A75D-FD9C44CB57B4}"/>
-          </ac:spMkLst>
-        </pc:spChg>
-        <pc:spChg chg="add mod">
-          <ac:chgData name="Julius Sander Nugroho" userId="S::e0175388@u.nus.edu::676b7903-60be-4a2c-9a21-bdd1db181a88" providerId="AD" clId="Web-{506C65B2-D229-1199-5B81-69A40BDAD3A6}" dt="2018-11-06T12:32:29.624" v="137" actId="1076"/>
-          <ac:spMkLst>
-            <pc:docMk/>
-            <pc:sldMk cId="1478832369" sldId="264"/>
-            <ac:spMk id="32" creationId="{3AC7F8A2-C75A-4DAD-8668-70C0EF3345E2}"/>
-          </ac:spMkLst>
-        </pc:spChg>
-        <pc:spChg chg="add mod">
-          <ac:chgData name="Julius Sander Nugroho" userId="S::e0175388@u.nus.edu::676b7903-60be-4a2c-9a21-bdd1db181a88" providerId="AD" clId="Web-{506C65B2-D229-1199-5B81-69A40BDAD3A6}" dt="2018-11-06T13:58:26.980" v="258" actId="14100"/>
-          <ac:spMkLst>
-            <pc:docMk/>
-            <pc:sldMk cId="1478832369" sldId="264"/>
-            <ac:spMk id="37" creationId="{9BCC6247-09D4-492F-9381-EF3ED4CA7E07}"/>
-          </ac:spMkLst>
-        </pc:spChg>
-        <pc:spChg chg="add mod">
-          <ac:chgData name="Julius Sander Nugroho" userId="S::e0175388@u.nus.edu::676b7903-60be-4a2c-9a21-bdd1db181a88" providerId="AD" clId="Web-{506C65B2-D229-1199-5B81-69A40BDAD3A6}" dt="2018-11-06T14:00:19.621" v="272" actId="14100"/>
-          <ac:spMkLst>
-            <pc:docMk/>
-            <pc:sldMk cId="1478832369" sldId="264"/>
-            <ac:spMk id="39" creationId="{F5D8B78D-0F72-4F43-B1B6-DBEAE8D8AA5A}"/>
-          </ac:spMkLst>
-        </pc:spChg>
-        <pc:spChg chg="add mod">
-          <ac:chgData name="Julius Sander Nugroho" userId="S::e0175388@u.nus.edu::676b7903-60be-4a2c-9a21-bdd1db181a88" providerId="AD" clId="Web-{506C65B2-D229-1199-5B81-69A40BDAD3A6}" dt="2018-11-06T14:00:57.620" v="282" actId="20577"/>
-          <ac:spMkLst>
-            <pc:docMk/>
-            <pc:sldMk cId="1478832369" sldId="264"/>
-            <ac:spMk id="40" creationId="{576AE358-3053-4B1D-BE33-5C5D1BA5E2D5}"/>
-          </ac:spMkLst>
-        </pc:spChg>
-        <pc:spChg chg="mod">
-          <ac:chgData name="Julius Sander Nugroho" userId="S::e0175388@u.nus.edu::676b7903-60be-4a2c-9a21-bdd1db181a88" providerId="AD" clId="Web-{506C65B2-D229-1199-5B81-69A40BDAD3A6}" dt="2018-11-06T12:31:22.546" v="99" actId="1076"/>
-          <ac:spMkLst>
-            <pc:docMk/>
-            <pc:sldMk cId="1478832369" sldId="264"/>
-            <ac:spMk id="42" creationId="{00000000-0000-0000-0000-000000000000}"/>
-          </ac:spMkLst>
-        </pc:spChg>
-        <pc:spChg chg="add mod">
-          <ac:chgData name="Julius Sander Nugroho" userId="S::e0175388@u.nus.edu::676b7903-60be-4a2c-9a21-bdd1db181a88" providerId="AD" clId="Web-{506C65B2-D229-1199-5B81-69A40BDAD3A6}" dt="2018-11-06T14:01:41.464" v="295" actId="14100"/>
-          <ac:spMkLst>
-            <pc:docMk/>
-            <pc:sldMk cId="1478832369" sldId="264"/>
-            <ac:spMk id="43" creationId="{C478C0FF-701D-481F-BD9F-C3FB74B2146F}"/>
-          </ac:spMkLst>
-        </pc:spChg>
-        <pc:spChg chg="add mod">
-          <ac:chgData name="Julius Sander Nugroho" userId="S::e0175388@u.nus.edu::676b7903-60be-4a2c-9a21-bdd1db181a88" providerId="AD" clId="Web-{506C65B2-D229-1199-5B81-69A40BDAD3A6}" dt="2018-11-06T14:02:09.120" v="302" actId="14100"/>
-          <ac:spMkLst>
-            <pc:docMk/>
-            <pc:sldMk cId="1478832369" sldId="264"/>
-            <ac:spMk id="45" creationId="{B4AB59F1-1B7E-4230-A54D-3F8BEC96BD4F}"/>
-          </ac:spMkLst>
-        </pc:spChg>
-        <pc:spChg chg="mod">
-          <ac:chgData name="Julius Sander Nugroho" userId="S::e0175388@u.nus.edu::676b7903-60be-4a2c-9a21-bdd1db181a88" providerId="AD" clId="Web-{506C65B2-D229-1199-5B81-69A40BDAD3A6}" dt="2018-11-06T13:54:06.653" v="179" actId="14100"/>
-          <ac:spMkLst>
-            <pc:docMk/>
-            <pc:sldMk cId="1478832369" sldId="264"/>
-            <ac:spMk id="50" creationId="{00000000-0000-0000-0000-000000000000}"/>
-          </ac:spMkLst>
-        </pc:spChg>
-        <pc:spChg chg="mod">
-          <ac:chgData name="Julius Sander Nugroho" userId="S::e0175388@u.nus.edu::676b7903-60be-4a2c-9a21-bdd1db181a88" providerId="AD" clId="Web-{506C65B2-D229-1199-5B81-69A40BDAD3A6}" dt="2018-11-06T12:31:22.608" v="104" actId="1076"/>
-          <ac:spMkLst>
-            <pc:docMk/>
-            <pc:sldMk cId="1478832369" sldId="264"/>
-            <ac:spMk id="52" creationId="{00000000-0000-0000-0000-000000000000}"/>
-          </ac:spMkLst>
-        </pc:spChg>
-        <pc:spChg chg="mod">
-          <ac:chgData name="Julius Sander Nugroho" userId="S::e0175388@u.nus.edu::676b7903-60be-4a2c-9a21-bdd1db181a88" providerId="AD" clId="Web-{506C65B2-D229-1199-5B81-69A40BDAD3A6}" dt="2018-11-06T12:31:42.687" v="118" actId="1076"/>
-          <ac:spMkLst>
-            <pc:docMk/>
-            <pc:sldMk cId="1478832369" sldId="264"/>
-            <ac:spMk id="56" creationId="{00000000-0000-0000-0000-000000000000}"/>
-          </ac:spMkLst>
-        </pc:spChg>
-        <pc:spChg chg="mod">
-          <ac:chgData name="Julius Sander Nugroho" userId="S::e0175388@u.nus.edu::676b7903-60be-4a2c-9a21-bdd1db181a88" providerId="AD" clId="Web-{506C65B2-D229-1199-5B81-69A40BDAD3A6}" dt="2018-11-06T12:31:22.671" v="108" actId="1076"/>
-          <ac:spMkLst>
-            <pc:docMk/>
-            <pc:sldMk cId="1478832369" sldId="264"/>
-            <ac:spMk id="61" creationId="{00000000-0000-0000-0000-000000000000}"/>
-          </ac:spMkLst>
-        </pc:spChg>
-        <pc:spChg chg="mod">
-          <ac:chgData name="Julius Sander Nugroho" userId="S::e0175388@u.nus.edu::676b7903-60be-4a2c-9a21-bdd1db181a88" providerId="AD" clId="Web-{506C65B2-D229-1199-5B81-69A40BDAD3A6}" dt="2018-11-06T12:31:22.671" v="109" actId="1076"/>
-          <ac:spMkLst>
-            <pc:docMk/>
-            <pc:sldMk cId="1478832369" sldId="264"/>
-            <ac:spMk id="65" creationId="{00000000-0000-0000-0000-000000000000}"/>
-          </ac:spMkLst>
-        </pc:spChg>
-        <pc:spChg chg="mod">
-          <ac:chgData name="Julius Sander Nugroho" userId="S::e0175388@u.nus.edu::676b7903-60be-4a2c-9a21-bdd1db181a88" providerId="AD" clId="Web-{506C65B2-D229-1199-5B81-69A40BDAD3A6}" dt="2018-11-06T13:54:16.746" v="183" actId="14100"/>
-          <ac:spMkLst>
-            <pc:docMk/>
-            <pc:sldMk cId="1478832369" sldId="264"/>
-            <ac:spMk id="66" creationId="{00000000-0000-0000-0000-000000000000}"/>
-          </ac:spMkLst>
-        </pc:spChg>
-        <pc:spChg chg="mod">
-          <ac:chgData name="Julius Sander Nugroho" userId="S::e0175388@u.nus.edu::676b7903-60be-4a2c-9a21-bdd1db181a88" providerId="AD" clId="Web-{506C65B2-D229-1199-5B81-69A40BDAD3A6}" dt="2018-11-06T13:56:05.027" v="223" actId="20577"/>
-          <ac:spMkLst>
-            <pc:docMk/>
-            <pc:sldMk cId="1478832369" sldId="264"/>
-            <ac:spMk id="73" creationId="{00000000-0000-0000-0000-000000000000}"/>
-          </ac:spMkLst>
-        </pc:spChg>
-        <pc:spChg chg="mod">
-          <ac:chgData name="Julius Sander Nugroho" userId="S::e0175388@u.nus.edu::676b7903-60be-4a2c-9a21-bdd1db181a88" providerId="AD" clId="Web-{506C65B2-D229-1199-5B81-69A40BDAD3A6}" dt="2018-11-06T13:55:09.777" v="199" actId="14100"/>
-          <ac:spMkLst>
-            <pc:docMk/>
-            <pc:sldMk cId="1478832369" sldId="264"/>
-            <ac:spMk id="74" creationId="{00000000-0000-0000-0000-000000000000}"/>
-          </ac:spMkLst>
-        </pc:spChg>
-        <pc:spChg chg="mod">
-          <ac:chgData name="Julius Sander Nugroho" userId="S::e0175388@u.nus.edu::676b7903-60be-4a2c-9a21-bdd1db181a88" providerId="AD" clId="Web-{506C65B2-D229-1199-5B81-69A40BDAD3A6}" dt="2018-11-06T12:31:22.561" v="101" actId="1076"/>
-          <ac:spMkLst>
-            <pc:docMk/>
-            <pc:sldMk cId="1478832369" sldId="264"/>
-            <ac:spMk id="99" creationId="{00000000-0000-0000-0000-000000000000}"/>
-          </ac:spMkLst>
-        </pc:spChg>
-        <pc:cxnChg chg="add del mod">
-          <ac:chgData name="Julius Sander Nugroho" userId="S::e0175388@u.nus.edu::676b7903-60be-4a2c-9a21-bdd1db181a88" providerId="AD" clId="Web-{506C65B2-D229-1199-5B81-69A40BDAD3A6}" dt="2018-11-06T13:56:53.308" v="235"/>
-          <ac:cxnSpMkLst>
-            <pc:docMk/>
-            <pc:sldMk cId="1478832369" sldId="264"/>
-            <ac:cxnSpMk id="3" creationId="{125A03B0-AD6D-42BD-8357-117D073CF2C1}"/>
-          </ac:cxnSpMkLst>
-        </pc:cxnChg>
-        <pc:cxnChg chg="add mod">
-          <ac:chgData name="Julius Sander Nugroho" userId="S::e0175388@u.nus.edu::676b7903-60be-4a2c-9a21-bdd1db181a88" providerId="AD" clId="Web-{506C65B2-D229-1199-5B81-69A40BDAD3A6}" dt="2018-11-06T13:57:47.965" v="247"/>
-          <ac:cxnSpMkLst>
-            <pc:docMk/>
-            <pc:sldMk cId="1478832369" sldId="264"/>
-            <ac:cxnSpMk id="4" creationId="{ABDDF4CA-3DD3-4FE3-BD1F-8822DEF8AC69}"/>
-          </ac:cxnSpMkLst>
-        </pc:cxnChg>
-        <pc:cxnChg chg="add del mod">
-          <ac:chgData name="Julius Sander Nugroho" userId="S::e0175388@u.nus.edu::676b7903-60be-4a2c-9a21-bdd1db181a88" providerId="AD" clId="Web-{506C65B2-D229-1199-5B81-69A40BDAD3A6}" dt="2018-11-06T12:32:22.015" v="129"/>
-          <ac:cxnSpMkLst>
-            <pc:docMk/>
-            <pc:sldMk cId="1478832369" sldId="264"/>
-            <ac:cxnSpMk id="28" creationId="{0016E45A-65D4-4A69-BC32-F6FFF238ABAC}"/>
-          </ac:cxnSpMkLst>
-        </pc:cxnChg>
-        <pc:cxnChg chg="add mod">
-          <ac:chgData name="Julius Sander Nugroho" userId="S::e0175388@u.nus.edu::676b7903-60be-4a2c-9a21-bdd1db181a88" providerId="AD" clId="Web-{506C65B2-D229-1199-5B81-69A40BDAD3A6}" dt="2018-11-06T12:32:29.609" v="136" actId="1076"/>
-          <ac:cxnSpMkLst>
-            <pc:docMk/>
-            <pc:sldMk cId="1478832369" sldId="264"/>
-            <ac:cxnSpMk id="31" creationId="{8B424672-92AB-4578-AF40-C151F7A5AB3B}"/>
-          </ac:cxnSpMkLst>
-        </pc:cxnChg>
-        <pc:cxnChg chg="add mod">
-          <ac:chgData name="Julius Sander Nugroho" userId="S::e0175388@u.nus.edu::676b7903-60be-4a2c-9a21-bdd1db181a88" providerId="AD" clId="Web-{506C65B2-D229-1199-5B81-69A40BDAD3A6}" dt="2018-11-06T13:54:39.715" v="190" actId="1076"/>
-          <ac:cxnSpMkLst>
-            <pc:docMk/>
-            <pc:sldMk cId="1478832369" sldId="264"/>
-            <ac:cxnSpMk id="33" creationId="{CDE5FCE6-868C-4377-B9ED-6A9C210DBD53}"/>
-          </ac:cxnSpMkLst>
-        </pc:cxnChg>
-        <pc:cxnChg chg="add del mod">
-          <ac:chgData name="Julius Sander Nugroho" userId="S::e0175388@u.nus.edu::676b7903-60be-4a2c-9a21-bdd1db181a88" providerId="AD" clId="Web-{506C65B2-D229-1199-5B81-69A40BDAD3A6}" dt="2018-11-06T13:56:19.605" v="229"/>
-          <ac:cxnSpMkLst>
-            <pc:docMk/>
-            <pc:sldMk cId="1478832369" sldId="264"/>
-            <ac:cxnSpMk id="34" creationId="{A0412036-F3B9-4A31-9E16-130945A1F12F}"/>
-          </ac:cxnSpMkLst>
-        </pc:cxnChg>
-        <pc:cxnChg chg="add del mod">
-          <ac:chgData name="Julius Sander Nugroho" userId="S::e0175388@u.nus.edu::676b7903-60be-4a2c-9a21-bdd1db181a88" providerId="AD" clId="Web-{506C65B2-D229-1199-5B81-69A40BDAD3A6}" dt="2018-11-06T13:57:17.808" v="241"/>
-          <ac:cxnSpMkLst>
-            <pc:docMk/>
-            <pc:sldMk cId="1478832369" sldId="264"/>
-            <ac:cxnSpMk id="35" creationId="{C217ADA4-B9ED-426D-AC53-70CB66F3E35F}"/>
-          </ac:cxnSpMkLst>
-        </pc:cxnChg>
-        <pc:cxnChg chg="add mod">
-          <ac:chgData name="Julius Sander Nugroho" userId="S::e0175388@u.nus.edu::676b7903-60be-4a2c-9a21-bdd1db181a88" providerId="AD" clId="Web-{506C65B2-D229-1199-5B81-69A40BDAD3A6}" dt="2018-11-06T13:58:03.949" v="250" actId="14100"/>
-          <ac:cxnSpMkLst>
-            <pc:docMk/>
-            <pc:sldMk cId="1478832369" sldId="264"/>
-            <ac:cxnSpMk id="36" creationId="{38899B10-78D3-4919-B1B3-EE1EEA925BB3}"/>
-          </ac:cxnSpMkLst>
-        </pc:cxnChg>
-        <pc:cxnChg chg="add mod">
-          <ac:chgData name="Julius Sander Nugroho" userId="S::e0175388@u.nus.edu::676b7903-60be-4a2c-9a21-bdd1db181a88" providerId="AD" clId="Web-{506C65B2-D229-1199-5B81-69A40BDAD3A6}" dt="2018-11-06T14:00:19.621" v="271" actId="14100"/>
-          <ac:cxnSpMkLst>
-            <pc:docMk/>
-            <pc:sldMk cId="1478832369" sldId="264"/>
-            <ac:cxnSpMk id="38" creationId="{C06590A8-159F-4C4A-B129-4A84B624FC6B}"/>
-          </ac:cxnSpMkLst>
-        </pc:cxnChg>
-        <pc:cxnChg chg="add mod">
-          <ac:chgData name="Julius Sander Nugroho" userId="S::e0175388@u.nus.edu::676b7903-60be-4a2c-9a21-bdd1db181a88" providerId="AD" clId="Web-{506C65B2-D229-1199-5B81-69A40BDAD3A6}" dt="2018-11-06T14:01:10.980" v="289" actId="14100"/>
-          <ac:cxnSpMkLst>
-            <pc:docMk/>
-            <pc:sldMk cId="1478832369" sldId="264"/>
-            <ac:cxnSpMk id="41" creationId="{9662CE0B-162C-4FA9-A6F7-5D08F1238F35}"/>
-          </ac:cxnSpMkLst>
-        </pc:cxnChg>
-        <pc:cxnChg chg="add mod">
-          <ac:chgData name="Julius Sander Nugroho" userId="S::e0175388@u.nus.edu::676b7903-60be-4a2c-9a21-bdd1db181a88" providerId="AD" clId="Web-{506C65B2-D229-1199-5B81-69A40BDAD3A6}" dt="2018-11-06T14:02:15.995" v="303" actId="1076"/>
-          <ac:cxnSpMkLst>
-            <pc:docMk/>
-            <pc:sldMk cId="1478832369" sldId="264"/>
-            <ac:cxnSpMk id="44" creationId="{83D16E50-278D-4DA5-AB23-236A3FE4EF4E}"/>
-          </ac:cxnSpMkLst>
-        </pc:cxnChg>
-        <pc:cxnChg chg="mod">
-          <ac:chgData name="Julius Sander Nugroho" userId="S::e0175388@u.nus.edu::676b7903-60be-4a2c-9a21-bdd1db181a88" providerId="AD" clId="Web-{506C65B2-D229-1199-5B81-69A40BDAD3A6}" dt="2018-11-06T12:31:59.812" v="121" actId="14100"/>
-          <ac:cxnSpMkLst>
-            <pc:docMk/>
-            <pc:sldMk cId="1478832369" sldId="264"/>
-            <ac:cxnSpMk id="54" creationId="{00000000-0000-0000-0000-000000000000}"/>
-          </ac:cxnSpMkLst>
-        </pc:cxnChg>
-        <pc:cxnChg chg="mod">
-          <ac:chgData name="Julius Sander Nugroho" userId="S::e0175388@u.nus.edu::676b7903-60be-4a2c-9a21-bdd1db181a88" providerId="AD" clId="Web-{506C65B2-D229-1199-5B81-69A40BDAD3A6}" dt="2018-11-06T12:32:09.687" v="123" actId="14100"/>
-          <ac:cxnSpMkLst>
-            <pc:docMk/>
-            <pc:sldMk cId="1478832369" sldId="264"/>
-            <ac:cxnSpMk id="58" creationId="{00000000-0000-0000-0000-000000000000}"/>
-          </ac:cxnSpMkLst>
-        </pc:cxnChg>
-        <pc:cxnChg chg="mod">
-          <ac:chgData name="Julius Sander Nugroho" userId="S::e0175388@u.nus.edu::676b7903-60be-4a2c-9a21-bdd1db181a88" providerId="AD" clId="Web-{506C65B2-D229-1199-5B81-69A40BDAD3A6}" dt="2018-11-06T12:31:22.655" v="107" actId="1076"/>
-          <ac:cxnSpMkLst>
-            <pc:docMk/>
-            <pc:sldMk cId="1478832369" sldId="264"/>
-            <ac:cxnSpMk id="60" creationId="{00000000-0000-0000-0000-000000000000}"/>
-          </ac:cxnSpMkLst>
-        </pc:cxnChg>
-        <pc:cxnChg chg="del mod">
-          <ac:chgData name="Julius Sander Nugroho" userId="S::e0175388@u.nus.edu::676b7903-60be-4a2c-9a21-bdd1db181a88" providerId="AD" clId="Web-{506C65B2-D229-1199-5B81-69A40BDAD3A6}" dt="2018-11-06T13:56:10.184" v="225"/>
-          <ac:cxnSpMkLst>
-            <pc:docMk/>
-            <pc:sldMk cId="1478832369" sldId="264"/>
-            <ac:cxnSpMk id="70" creationId="{00000000-0000-0000-0000-000000000000}"/>
-          </ac:cxnSpMkLst>
-        </pc:cxnChg>
-        <pc:cxnChg chg="mod">
-          <ac:chgData name="Julius Sander Nugroho" userId="S::e0175388@u.nus.edu::676b7903-60be-4a2c-9a21-bdd1db181a88" providerId="AD" clId="Web-{506C65B2-D229-1199-5B81-69A40BDAD3A6}" dt="2018-11-06T13:54:45.309" v="192" actId="1076"/>
-          <ac:cxnSpMkLst>
-            <pc:docMk/>
-            <pc:sldMk cId="1478832369" sldId="264"/>
-            <ac:cxnSpMk id="77" creationId="{00000000-0000-0000-0000-000000000000}"/>
-          </ac:cxnSpMkLst>
-        </pc:cxnChg>
-        <pc:cxnChg chg="mod">
-          <ac:chgData name="Julius Sander Nugroho" userId="S::e0175388@u.nus.edu::676b7903-60be-4a2c-9a21-bdd1db181a88" providerId="AD" clId="Web-{506C65B2-D229-1199-5B81-69A40BDAD3A6}" dt="2018-11-06T12:31:22.546" v="100" actId="1076"/>
-          <ac:cxnSpMkLst>
-            <pc:docMk/>
-            <pc:sldMk cId="1478832369" sldId="264"/>
-            <ac:cxnSpMk id="97" creationId="{00000000-0000-0000-0000-000000000000}"/>
-          </ac:cxnSpMkLst>
-        </pc:cxnChg>
-        <pc:cxnChg chg="mod">
-          <ac:chgData name="Julius Sander Nugroho" userId="S::e0175388@u.nus.edu::676b7903-60be-4a2c-9a21-bdd1db181a88" providerId="AD" clId="Web-{506C65B2-D229-1199-5B81-69A40BDAD3A6}" dt="2018-11-06T13:54:16.731" v="182" actId="14100"/>
-          <ac:cxnSpMkLst>
-            <pc:docMk/>
-            <pc:sldMk cId="1478832369" sldId="264"/>
-            <ac:cxnSpMk id="124" creationId="{00000000-0000-0000-0000-000000000000}"/>
-          </ac:cxnSpMkLst>
-        </pc:cxnChg>
-      </pc:sldChg>
-    </pc:docChg>
-  </pc:docChgLst>
-  <pc:docChgLst>
-    <pc:chgData name="Julius Sander Nugroho" userId="S::e0175388@u.nus.edu::676b7903-60be-4a2c-9a21-bdd1db181a88" providerId="AD" clId="Web-{9AA800CF-98FF-ACE9-65B1-714106EC9156}"/>
-    <pc:docChg chg="modSld">
-      <pc:chgData name="Julius Sander Nugroho" userId="S::e0175388@u.nus.edu::676b7903-60be-4a2c-9a21-bdd1db181a88" providerId="AD" clId="Web-{9AA800CF-98FF-ACE9-65B1-714106EC9156}" dt="2018-11-06T12:25:59.430" v="8" actId="1076"/>
-      <pc:docMkLst>
-        <pc:docMk/>
-      </pc:docMkLst>
-      <pc:sldChg chg="modSp">
-        <pc:chgData name="Julius Sander Nugroho" userId="S::e0175388@u.nus.edu::676b7903-60be-4a2c-9a21-bdd1db181a88" providerId="AD" clId="Web-{9AA800CF-98FF-ACE9-65B1-714106EC9156}" dt="2018-11-06T12:25:59.430" v="8" actId="1076"/>
-        <pc:sldMkLst>
-          <pc:docMk/>
-          <pc:sldMk cId="1478832369" sldId="264"/>
-        </pc:sldMkLst>
-        <pc:spChg chg="mod">
-          <ac:chgData name="Julius Sander Nugroho" userId="S::e0175388@u.nus.edu::676b7903-60be-4a2c-9a21-bdd1db181a88" providerId="AD" clId="Web-{9AA800CF-98FF-ACE9-65B1-714106EC9156}" dt="2018-11-06T12:25:59.398" v="6" actId="1076"/>
-          <ac:spMkLst>
-            <pc:docMk/>
-            <pc:sldMk cId="1478832369" sldId="264"/>
-            <ac:spMk id="9" creationId="{00000000-0000-0000-0000-000000000000}"/>
-          </ac:spMkLst>
-        </pc:spChg>
-        <pc:spChg chg="mod">
-          <ac:chgData name="Julius Sander Nugroho" userId="S::e0175388@u.nus.edu::676b7903-60be-4a2c-9a21-bdd1db181a88" providerId="AD" clId="Web-{9AA800CF-98FF-ACE9-65B1-714106EC9156}" dt="2018-11-06T12:25:37.429" v="0" actId="14100"/>
-          <ac:spMkLst>
-            <pc:docMk/>
-            <pc:sldMk cId="1478832369" sldId="264"/>
-            <ac:spMk id="118" creationId="{00000000-0000-0000-0000-000000000000}"/>
-          </ac:spMkLst>
-        </pc:spChg>
-        <pc:spChg chg="mod">
-          <ac:chgData name="Julius Sander Nugroho" userId="S::e0175388@u.nus.edu::676b7903-60be-4a2c-9a21-bdd1db181a88" providerId="AD" clId="Web-{9AA800CF-98FF-ACE9-65B1-714106EC9156}" dt="2018-11-06T12:25:42.086" v="1" actId="14100"/>
-          <ac:spMkLst>
-            <pc:docMk/>
-            <pc:sldMk cId="1478832369" sldId="264"/>
-            <ac:spMk id="119" creationId="{00000000-0000-0000-0000-000000000000}"/>
-          </ac:spMkLst>
-        </pc:spChg>
-        <pc:spChg chg="mod">
-          <ac:chgData name="Julius Sander Nugroho" userId="S::e0175388@u.nus.edu::676b7903-60be-4a2c-9a21-bdd1db181a88" providerId="AD" clId="Web-{9AA800CF-98FF-ACE9-65B1-714106EC9156}" dt="2018-11-06T12:25:59.414" v="7" actId="1076"/>
-          <ac:spMkLst>
-            <pc:docMk/>
-            <pc:sldMk cId="1478832369" sldId="264"/>
-            <ac:spMk id="120" creationId="{00000000-0000-0000-0000-000000000000}"/>
-          </ac:spMkLst>
-        </pc:spChg>
-        <pc:cxnChg chg="mod">
-          <ac:chgData name="Julius Sander Nugroho" userId="S::e0175388@u.nus.edu::676b7903-60be-4a2c-9a21-bdd1db181a88" providerId="AD" clId="Web-{9AA800CF-98FF-ACE9-65B1-714106EC9156}" dt="2018-11-06T12:25:59.430" v="8" actId="1076"/>
-          <ac:cxnSpMkLst>
-            <pc:docMk/>
-            <pc:sldMk cId="1478832369" sldId="264"/>
-            <ac:cxnSpMk id="21" creationId="{00000000-0000-0000-0000-000000000000}"/>
-          </ac:cxnSpMkLst>
-        </pc:cxnChg>
-        <pc:cxnChg chg="mod">
-          <ac:chgData name="Julius Sander Nugroho" userId="S::e0175388@u.nus.edu::676b7903-60be-4a2c-9a21-bdd1db181a88" providerId="AD" clId="Web-{9AA800CF-98FF-ACE9-65B1-714106EC9156}" dt="2018-11-06T12:25:50.258" v="2" actId="1076"/>
-          <ac:cxnSpMkLst>
-            <pc:docMk/>
-            <pc:sldMk cId="1478832369" sldId="264"/>
-            <ac:cxnSpMk id="75" creationId="{00000000-0000-0000-0000-000000000000}"/>
-          </ac:cxnSpMkLst>
-        </pc:cxnChg>
-      </pc:sldChg>
-    </pc:docChg>
-  </pc:docChgLst>
-</pc:chgInfo>
-</file>
-
 <file path=ppt/notesMasters/notesMaster1.xml><?xml version="1.0" encoding="utf-8"?>
 <p:notesMaster xmlns:a="http://schemas.openxmlformats.org/drawingml/2006/main" xmlns:r="http://schemas.openxmlformats.org/officeDocument/2006/relationships" xmlns:p="http://schemas.openxmlformats.org/presentationml/2006/main">
   <p:cSld>
@@ -629,7 +208,7 @@
           <a:p>
             <a:fld id="{F5CC4B3F-88C1-4FFA-B1B6-F41C21DC6924}" type="datetimeFigureOut">
               <a:rPr lang="en-US" smtClean="0"/>
-              <a:t>11/6/2018</a:t>
+              <a:t>12/1/2018</a:t>
             </a:fld>
             <a:endParaRPr lang="en-US"/>
           </a:p>
@@ -1075,7 +654,7 @@
           <a:p>
             <a:fld id="{78C97017-6FC3-485B-9764-EAC9E56C1D49}" type="datetimeFigureOut">
               <a:rPr lang="en-US" smtClean="0"/>
-              <a:t>11/6/2018</a:t>
+              <a:t>12/1/2018</a:t>
             </a:fld>
             <a:endParaRPr lang="en-US"/>
           </a:p>
@@ -1243,7 +822,7 @@
           <a:p>
             <a:fld id="{78C97017-6FC3-485B-9764-EAC9E56C1D49}" type="datetimeFigureOut">
               <a:rPr lang="en-US" smtClean="0"/>
-              <a:t>11/6/2018</a:t>
+              <a:t>12/1/2018</a:t>
             </a:fld>
             <a:endParaRPr lang="en-US"/>
           </a:p>
@@ -1421,7 +1000,7 @@
           <a:p>
             <a:fld id="{78C97017-6FC3-485B-9764-EAC9E56C1D49}" type="datetimeFigureOut">
               <a:rPr lang="en-US" smtClean="0"/>
-              <a:t>11/6/2018</a:t>
+              <a:t>12/1/2018</a:t>
             </a:fld>
             <a:endParaRPr lang="en-US"/>
           </a:p>
@@ -1589,7 +1168,7 @@
           <a:p>
             <a:fld id="{78C97017-6FC3-485B-9764-EAC9E56C1D49}" type="datetimeFigureOut">
               <a:rPr lang="en-US" smtClean="0"/>
-              <a:t>11/6/2018</a:t>
+              <a:t>12/1/2018</a:t>
             </a:fld>
             <a:endParaRPr lang="en-US"/>
           </a:p>
@@ -1834,7 +1413,7 @@
           <a:p>
             <a:fld id="{78C97017-6FC3-485B-9764-EAC9E56C1D49}" type="datetimeFigureOut">
               <a:rPr lang="en-US" smtClean="0"/>
-              <a:t>11/6/2018</a:t>
+              <a:t>12/1/2018</a:t>
             </a:fld>
             <a:endParaRPr lang="en-US"/>
           </a:p>
@@ -2119,7 +1698,7 @@
           <a:p>
             <a:fld id="{78C97017-6FC3-485B-9764-EAC9E56C1D49}" type="datetimeFigureOut">
               <a:rPr lang="en-US" smtClean="0"/>
-              <a:t>11/6/2018</a:t>
+              <a:t>12/1/2018</a:t>
             </a:fld>
             <a:endParaRPr lang="en-US"/>
           </a:p>
@@ -2538,7 +2117,7 @@
           <a:p>
             <a:fld id="{78C97017-6FC3-485B-9764-EAC9E56C1D49}" type="datetimeFigureOut">
               <a:rPr lang="en-US" smtClean="0"/>
-              <a:t>11/6/2018</a:t>
+              <a:t>12/1/2018</a:t>
             </a:fld>
             <a:endParaRPr lang="en-US"/>
           </a:p>
@@ -2655,7 +2234,7 @@
           <a:p>
             <a:fld id="{78C97017-6FC3-485B-9764-EAC9E56C1D49}" type="datetimeFigureOut">
               <a:rPr lang="en-US" smtClean="0"/>
-              <a:t>11/6/2018</a:t>
+              <a:t>12/1/2018</a:t>
             </a:fld>
             <a:endParaRPr lang="en-US"/>
           </a:p>
@@ -2750,7 +2329,7 @@
           <a:p>
             <a:fld id="{78C97017-6FC3-485B-9764-EAC9E56C1D49}" type="datetimeFigureOut">
               <a:rPr lang="en-US" smtClean="0"/>
-              <a:t>11/6/2018</a:t>
+              <a:t>12/1/2018</a:t>
             </a:fld>
             <a:endParaRPr lang="en-US"/>
           </a:p>
@@ -3025,7 +2604,7 @@
           <a:p>
             <a:fld id="{78C97017-6FC3-485B-9764-EAC9E56C1D49}" type="datetimeFigureOut">
               <a:rPr lang="en-US" smtClean="0"/>
-              <a:t>11/6/2018</a:t>
+              <a:t>12/1/2018</a:t>
             </a:fld>
             <a:endParaRPr lang="en-US"/>
           </a:p>
@@ -3277,7 +2856,7 @@
           <a:p>
             <a:fld id="{78C97017-6FC3-485B-9764-EAC9E56C1D49}" type="datetimeFigureOut">
               <a:rPr lang="en-US" smtClean="0"/>
-              <a:t>11/6/2018</a:t>
+              <a:t>12/1/2018</a:t>
             </a:fld>
             <a:endParaRPr lang="en-US"/>
           </a:p>
@@ -3488,7 +3067,7 @@
           <a:p>
             <a:fld id="{78C97017-6FC3-485B-9764-EAC9E56C1D49}" type="datetimeFigureOut">
               <a:rPr lang="en-US" smtClean="0"/>
-              <a:t>11/6/2018</a:t>
+              <a:t>12/1/2018</a:t>
             </a:fld>
             <a:endParaRPr lang="en-US"/>
           </a:p>
@@ -3872,7 +3451,7 @@
         <p:spPr>
           <a:xfrm>
             <a:off x="1119865" y="2086382"/>
-            <a:ext cx="7871735" cy="2960213"/>
+            <a:ext cx="7871735" cy="1723618"/>
           </a:xfrm>
           <a:prstGeom prst="roundRect">
             <a:avLst>
@@ -3909,7 +3488,7 @@
           <a:lstStyle/>
           <a:p>
             <a:r>
-              <a:rPr lang="en-US" sz="1200" b="1">
+              <a:rPr lang="en-US" sz="1200" b="1" dirty="0">
                 <a:solidFill>
                   <a:schemeClr val="accent6">
                     <a:lumMod val="75000"/>
@@ -3918,7 +3497,7 @@
               </a:rPr>
               <a:t>Storage</a:t>
             </a:r>
-            <a:endParaRPr lang="en-SG" sz="1200" b="1">
+            <a:endParaRPr lang="en-SG" sz="1200" b="1" dirty="0">
               <a:solidFill>
                 <a:schemeClr val="accent6">
                   <a:lumMod val="75000"/>
@@ -3936,7 +3515,7 @@
         </p:nvSpPr>
         <p:spPr>
           <a:xfrm>
-            <a:off x="2877180" y="3249199"/>
+            <a:off x="2877180" y="3158440"/>
             <a:ext cx="1323049" cy="346760"/>
           </a:xfrm>
           <a:prstGeom prst="rect">
@@ -3976,37 +3555,34 @@
           <a:p>
             <a:pPr algn="ctr"/>
             <a:r>
-              <a:rPr lang="en-US" sz="1050">
+              <a:rPr lang="en-US" sz="1050" dirty="0">
                 <a:solidFill>
                   <a:schemeClr val="bg1"/>
                 </a:solidFill>
-                <a:cs typeface="Calibri"/>
               </a:rPr>
               <a:t>&lt;&lt;interface&gt;&gt;</a:t>
             </a:r>
-            <a:endParaRPr lang="en-US" sz="1050">
+            <a:br>
+              <a:rPr lang="en-US" sz="1050" dirty="0">
+                <a:solidFill>
+                  <a:schemeClr val="bg1"/>
+                </a:solidFill>
+              </a:rPr>
+            </a:br>
+            <a:r>
+              <a:rPr lang="en-US" sz="1050" dirty="0" err="1">
+                <a:solidFill>
+                  <a:schemeClr val="bg1"/>
+                </a:solidFill>
+              </a:rPr>
+              <a:t>AddressBookStorage</a:t>
+            </a:r>
+            <a:endParaRPr lang="en-SG" sz="1050" dirty="0">
               <a:solidFill>
                 <a:schemeClr val="bg1"/>
               </a:solidFill>
             </a:endParaRPr>
           </a:p>
-          <a:p>
-            <a:pPr algn="ctr"/>
-            <a:r>
-              <a:rPr lang="en-US" sz="1050" err="1">
-                <a:solidFill>
-                  <a:schemeClr val="bg1"/>
-                </a:solidFill>
-              </a:rPr>
-              <a:t>FoodZoomStorage</a:t>
-            </a:r>
-            <a:endParaRPr lang="en-US" err="1">
-              <a:solidFill>
-                <a:schemeClr val="bg1"/>
-              </a:solidFill>
-              <a:cs typeface="Calibri"/>
-            </a:endParaRPr>
-          </a:p>
         </p:txBody>
       </p:sp>
       <p:sp>
@@ -4017,8 +3593,8 @@
         </p:nvSpPr>
         <p:spPr>
           <a:xfrm rot="16200000">
-            <a:off x="1295400" y="3393389"/>
-            <a:ext cx="1904796" cy="358104"/>
+            <a:off x="1683963" y="2868687"/>
+            <a:ext cx="1093635" cy="346760"/>
           </a:xfrm>
           <a:prstGeom prst="rect">
             <a:avLst/>
@@ -4057,14 +3633,14 @@
           <a:p>
             <a:pPr algn="ctr"/>
             <a:r>
-              <a:rPr lang="en-US" sz="1050" err="1">
+              <a:rPr lang="en-US" sz="1050" dirty="0" err="1">
                 <a:solidFill>
                   <a:schemeClr val="bg1"/>
                 </a:solidFill>
               </a:rPr>
               <a:t>StorageManager</a:t>
             </a:r>
-            <a:endParaRPr lang="en-SG" sz="1050">
+            <a:endParaRPr lang="en-SG" sz="1050" dirty="0">
               <a:solidFill>
                 <a:schemeClr val="bg1"/>
               </a:solidFill>
@@ -4080,8 +3656,8 @@
         </p:nvSpPr>
         <p:spPr>
           <a:xfrm rot="16200000">
-            <a:off x="380448" y="3431284"/>
-            <a:ext cx="2239471" cy="352432"/>
+            <a:off x="956202" y="2861202"/>
+            <a:ext cx="1093635" cy="346760"/>
           </a:xfrm>
           <a:prstGeom prst="rect">
             <a:avLst/>
@@ -4120,7 +3696,7 @@
           <a:p>
             <a:pPr algn="ctr"/>
             <a:r>
-              <a:rPr lang="en-US" sz="1050">
+              <a:rPr lang="en-US" sz="1050" dirty="0">
                 <a:solidFill>
                   <a:schemeClr val="bg1"/>
                 </a:solidFill>
@@ -4131,14 +3707,14 @@
           <a:p>
             <a:pPr algn="ctr"/>
             <a:r>
-              <a:rPr lang="en-US" sz="1050">
+              <a:rPr lang="en-US" sz="1050" dirty="0">
                 <a:solidFill>
                   <a:schemeClr val="bg1"/>
                 </a:solidFill>
               </a:rPr>
               <a:t>Storage</a:t>
             </a:r>
-            <a:endParaRPr lang="en-SG" sz="1050">
+            <a:endParaRPr lang="en-SG" sz="1050" dirty="0">
               <a:solidFill>
                 <a:schemeClr val="bg1"/>
               </a:solidFill>
@@ -4154,7 +3730,7 @@
         </p:nvSpPr>
         <p:spPr>
           <a:xfrm rot="16200000">
-            <a:off x="1649600" y="3485502"/>
+            <a:off x="1626910" y="2952291"/>
             <a:ext cx="270504" cy="175523"/>
           </a:xfrm>
           <a:prstGeom prst="triangle">
@@ -4205,14 +3781,15 @@
         <p:nvCxnSpPr>
           <p:cNvPr id="58" name="Straight Arrow Connector 57"/>
           <p:cNvCxnSpPr>
-            <a:cxnSpLocks/>
+            <a:stCxn id="42" idx="3"/>
+            <a:endCxn id="2" idx="1"/>
           </p:cNvCxnSpPr>
           <p:nvPr/>
         </p:nvCxnSpPr>
         <p:spPr>
-          <a:xfrm flipV="1">
-            <a:off x="2656370" y="3416291"/>
-            <a:ext cx="217216" cy="1004"/>
+          <a:xfrm>
+            <a:off x="2656370" y="3326536"/>
+            <a:ext cx="220810" cy="5284"/>
           </a:xfrm>
           <a:prstGeom prst="straightConnector1">
             <a:avLst/>
@@ -4251,7 +3828,7 @@
         </p:nvCxnSpPr>
         <p:spPr>
           <a:xfrm>
-            <a:off x="910091" y="3595954"/>
+            <a:off x="910091" y="3040053"/>
             <a:ext cx="419548" cy="2860"/>
           </a:xfrm>
           <a:prstGeom prst="bentConnector3">
@@ -4290,13 +3867,13 @@
         <p:nvCxnSpPr>
           <p:cNvPr id="21" name="Straight Connector 20"/>
           <p:cNvCxnSpPr>
-            <a:cxnSpLocks/>
+            <a:stCxn id="120" idx="3"/>
           </p:cNvCxnSpPr>
           <p:nvPr/>
         </p:nvCxnSpPr>
         <p:spPr>
           <a:xfrm flipV="1">
-            <a:off x="1872614" y="3573263"/>
+            <a:off x="1849924" y="3040052"/>
             <a:ext cx="216105" cy="1"/>
           </a:xfrm>
           <a:prstGeom prst="line">
@@ -4337,7 +3914,7 @@
         </p:nvSpPr>
         <p:spPr>
           <a:xfrm>
-            <a:off x="2420322" y="3330605"/>
+            <a:off x="2420322" y="3239846"/>
             <a:ext cx="236048" cy="173380"/>
           </a:xfrm>
           <a:prstGeom prst="flowChartDecision">
@@ -4384,13 +3961,14 @@
         <p:nvCxnSpPr>
           <p:cNvPr id="97" name="Elbow Connector 63"/>
           <p:cNvCxnSpPr>
-            <a:cxnSpLocks/>
+            <a:stCxn id="99" idx="3"/>
+            <a:endCxn id="50" idx="1"/>
           </p:cNvCxnSpPr>
           <p:nvPr/>
         </p:nvCxnSpPr>
         <p:spPr>
           <a:xfrm flipV="1">
-            <a:off x="4398041" y="3422579"/>
+            <a:off x="4398041" y="3331820"/>
             <a:ext cx="223324" cy="1"/>
           </a:xfrm>
           <a:prstGeom prst="bentConnector3">
@@ -4433,7 +4011,7 @@
         </p:nvSpPr>
         <p:spPr>
           <a:xfrm rot="5400000" flipV="1">
-            <a:off x="4175027" y="3334818"/>
+            <a:off x="4175027" y="3244059"/>
             <a:ext cx="270504" cy="175523"/>
           </a:xfrm>
           <a:prstGeom prst="triangle">
@@ -4484,13 +4062,14 @@
         <p:nvCxnSpPr>
           <p:cNvPr id="124" name="Elbow Connector 122"/>
           <p:cNvCxnSpPr>
-            <a:cxnSpLocks/>
+            <a:stCxn id="50" idx="3"/>
+            <a:endCxn id="66" idx="1"/>
           </p:cNvCxnSpPr>
           <p:nvPr/>
         </p:nvCxnSpPr>
         <p:spPr>
           <a:xfrm>
-            <a:off x="5654615" y="3422579"/>
+            <a:off x="5791200" y="3331820"/>
             <a:ext cx="228600" cy="1970"/>
           </a:xfrm>
           <a:prstGeom prst="bentConnector3">
@@ -4533,8 +4112,8 @@
         </p:nvSpPr>
         <p:spPr>
           <a:xfrm>
-            <a:off x="4617771" y="3134181"/>
-            <a:ext cx="1047628" cy="691816"/>
+            <a:off x="4621365" y="3158440"/>
+            <a:ext cx="1169835" cy="346760"/>
           </a:xfrm>
           <a:prstGeom prst="rect">
             <a:avLst/>
@@ -4562,16 +4141,35 @@
           <a:p>
             <a:pPr algn="ctr"/>
             <a:r>
-              <a:rPr lang="en-US" sz="1050" b="1" err="1">
+              <a:rPr lang="en-US" sz="1050" b="1" dirty="0" err="1">
                 <a:solidFill>
                   <a:schemeClr val="accent6">
                     <a:lumMod val="75000"/>
                   </a:schemeClr>
                 </a:solidFill>
               </a:rPr>
-              <a:t>XmlFoodZoomStorage</a:t>
-            </a:r>
-            <a:endParaRPr lang="en-US" err="1">
+              <a:t>JsonAddressBook</a:t>
+            </a:r>
+            <a:br>
+              <a:rPr lang="en-US" sz="1050" b="1" dirty="0">
+                <a:solidFill>
+                  <a:schemeClr val="accent6">
+                    <a:lumMod val="75000"/>
+                  </a:schemeClr>
+                </a:solidFill>
+              </a:rPr>
+            </a:br>
+            <a:r>
+              <a:rPr lang="en-US" sz="1050" b="1" dirty="0">
+                <a:solidFill>
+                  <a:schemeClr val="accent6">
+                    <a:lumMod val="75000"/>
+                  </a:schemeClr>
+                </a:solidFill>
+              </a:rPr>
+              <a:t>Storage</a:t>
+            </a:r>
+            <a:endParaRPr lang="en-SG" sz="1050" b="1" dirty="0">
               <a:solidFill>
                 <a:schemeClr val="accent6">
                   <a:lumMod val="75000"/>
@@ -4589,7 +4187,7 @@
         </p:nvSpPr>
         <p:spPr>
           <a:xfrm>
-            <a:off x="2873943" y="2648799"/>
+            <a:off x="2873943" y="2558040"/>
             <a:ext cx="1323049" cy="346760"/>
           </a:xfrm>
           <a:prstGeom prst="rect">
@@ -4629,7 +4227,7 @@
           <a:p>
             <a:pPr algn="ctr"/>
             <a:r>
-              <a:rPr lang="en-US" sz="1050">
+              <a:rPr lang="en-US" sz="1050" dirty="0">
                 <a:solidFill>
                   <a:schemeClr val="bg1"/>
                 </a:solidFill>
@@ -4637,21 +4235,21 @@
               <a:t>&lt;&lt;interface&gt;&gt;</a:t>
             </a:r>
             <a:br>
-              <a:rPr lang="en-US" sz="1050">
+              <a:rPr lang="en-US" sz="1050" dirty="0">
                 <a:solidFill>
                   <a:schemeClr val="bg1"/>
                 </a:solidFill>
               </a:rPr>
             </a:br>
             <a:r>
-              <a:rPr lang="en-US" sz="1050" err="1">
+              <a:rPr lang="en-US" sz="1050" dirty="0" err="1">
                 <a:solidFill>
                   <a:schemeClr val="bg1"/>
                 </a:solidFill>
               </a:rPr>
               <a:t>UserPrefsStorage</a:t>
             </a:r>
-            <a:endParaRPr lang="en-SG" sz="1050">
+            <a:endParaRPr lang="en-SG" sz="1050" dirty="0">
               <a:solidFill>
                 <a:schemeClr val="bg1"/>
               </a:solidFill>
@@ -4663,14 +4261,15 @@
         <p:nvCxnSpPr>
           <p:cNvPr id="54" name="Straight Arrow Connector 53"/>
           <p:cNvCxnSpPr>
-            <a:cxnSpLocks/>
+            <a:stCxn id="56" idx="3"/>
+            <a:endCxn id="52" idx="1"/>
           </p:cNvCxnSpPr>
           <p:nvPr/>
         </p:nvCxnSpPr>
         <p:spPr>
-          <a:xfrm flipV="1">
-            <a:off x="2624380" y="2905750"/>
-            <a:ext cx="245969" cy="8192"/>
+          <a:xfrm>
+            <a:off x="2653133" y="2726136"/>
+            <a:ext cx="220810" cy="5284"/>
           </a:xfrm>
           <a:prstGeom prst="straightConnector1">
             <a:avLst/>
@@ -4709,7 +4308,7 @@
         </p:nvSpPr>
         <p:spPr>
           <a:xfrm>
-            <a:off x="2417085" y="2820964"/>
+            <a:off x="2417085" y="2639446"/>
             <a:ext cx="236048" cy="173380"/>
           </a:xfrm>
           <a:prstGeom prst="flowChartDecision">
@@ -4756,13 +4355,14 @@
         <p:nvCxnSpPr>
           <p:cNvPr id="60" name="Elbow Connector 63"/>
           <p:cNvCxnSpPr>
-            <a:cxnSpLocks/>
+            <a:stCxn id="61" idx="3"/>
+            <a:endCxn id="65" idx="1"/>
           </p:cNvCxnSpPr>
           <p:nvPr/>
         </p:nvCxnSpPr>
         <p:spPr>
           <a:xfrm flipV="1">
-            <a:off x="4394804" y="2822179"/>
+            <a:off x="4394804" y="2731420"/>
             <a:ext cx="223324" cy="1"/>
           </a:xfrm>
           <a:prstGeom prst="bentConnector3">
@@ -4805,7 +4405,7 @@
         </p:nvSpPr>
         <p:spPr>
           <a:xfrm rot="5400000" flipV="1">
-            <a:off x="4171790" y="2734418"/>
+            <a:off x="4171790" y="2643659"/>
             <a:ext cx="270504" cy="175523"/>
           </a:xfrm>
           <a:prstGeom prst="triangle">
@@ -4860,7 +4460,7 @@
         </p:nvSpPr>
         <p:spPr>
           <a:xfrm>
-            <a:off x="4618128" y="2648799"/>
+            <a:off x="4618128" y="2558040"/>
             <a:ext cx="1093635" cy="346760"/>
           </a:xfrm>
           <a:prstGeom prst="rect">
@@ -4900,7 +4500,7 @@
           <a:p>
             <a:pPr algn="ctr"/>
             <a:r>
-              <a:rPr lang="en-US" sz="1050" err="1">
+              <a:rPr lang="en-US" sz="1050" dirty="0" err="1">
                 <a:solidFill>
                   <a:schemeClr val="bg1"/>
                 </a:solidFill>
@@ -4908,21 +4508,21 @@
               <a:t>JsonUserPrefs</a:t>
             </a:r>
             <a:br>
-              <a:rPr lang="en-US" sz="1050">
+              <a:rPr lang="en-US" sz="1050" dirty="0">
                 <a:solidFill>
                   <a:schemeClr val="bg1"/>
                 </a:solidFill>
               </a:rPr>
             </a:br>
             <a:r>
-              <a:rPr lang="en-US" sz="1050">
+              <a:rPr lang="en-US" sz="1050" dirty="0">
                 <a:solidFill>
                   <a:schemeClr val="bg1"/>
                 </a:solidFill>
               </a:rPr>
               <a:t>Storage</a:t>
             </a:r>
-            <a:endParaRPr lang="en-SG" sz="1050">
+            <a:endParaRPr lang="en-SG" sz="1050" dirty="0">
               <a:solidFill>
                 <a:schemeClr val="bg1"/>
               </a:solidFill>
@@ -4938,8 +4538,8 @@
         </p:nvSpPr>
         <p:spPr>
           <a:xfrm>
-            <a:off x="5883215" y="3136151"/>
-            <a:ext cx="1003019" cy="688221"/>
+            <a:off x="6019800" y="3160410"/>
+            <a:ext cx="1200707" cy="346760"/>
           </a:xfrm>
           <a:prstGeom prst="rect">
             <a:avLst/>
@@ -4967,16 +4567,35 @@
           <a:p>
             <a:pPr algn="ctr"/>
             <a:r>
-              <a:rPr lang="en-US" sz="1050" b="1">
+              <a:rPr lang="en-US" sz="1050" b="1" dirty="0" err="1">
                 <a:solidFill>
                   <a:schemeClr val="accent6">
                     <a:lumMod val="75000"/>
                   </a:schemeClr>
                 </a:solidFill>
               </a:rPr>
-              <a:t>XmlFoodZoom</a:t>
-            </a:r>
-            <a:endParaRPr lang="en-US">
+              <a:t>JsonSerializable</a:t>
+            </a:r>
+            <a:br>
+              <a:rPr lang="en-US" sz="1050" b="1" dirty="0">
+                <a:solidFill>
+                  <a:schemeClr val="accent6">
+                    <a:lumMod val="75000"/>
+                  </a:schemeClr>
+                </a:solidFill>
+              </a:rPr>
+            </a:br>
+            <a:r>
+              <a:rPr lang="en-US" sz="1050" b="1" dirty="0" err="1">
+                <a:solidFill>
+                  <a:schemeClr val="accent6">
+                    <a:lumMod val="75000"/>
+                  </a:schemeClr>
+                </a:solidFill>
+              </a:rPr>
+              <a:t>AddressBook</a:t>
+            </a:r>
+            <a:endParaRPr lang="en-SG" sz="1050" b="1" dirty="0">
               <a:solidFill>
                 <a:schemeClr val="accent6">
                   <a:lumMod val="75000"/>
@@ -4986,6 +4605,48 @@
           </a:p>
         </p:txBody>
       </p:sp>
+      <p:cxnSp>
+        <p:nvCxnSpPr>
+          <p:cNvPr id="70" name="Elbow Connector 122"/>
+          <p:cNvCxnSpPr>
+            <a:cxnSpLocks/>
+            <a:stCxn id="74" idx="0"/>
+            <a:endCxn id="73" idx="2"/>
+          </p:cNvCxnSpPr>
+          <p:nvPr/>
+        </p:nvCxnSpPr>
+        <p:spPr>
+          <a:xfrm rot="16200000" flipV="1">
+            <a:off x="8077993" y="2992019"/>
+            <a:ext cx="335208" cy="1"/>
+          </a:xfrm>
+          <a:prstGeom prst="bentConnector3">
+            <a:avLst>
+              <a:gd name="adj1" fmla="val 50000"/>
+            </a:avLst>
+          </a:prstGeom>
+          <a:ln w="19050">
+            <a:prstDash val="sysDot"/>
+            <a:headEnd type="none" w="med" len="med"/>
+            <a:tailEnd type="arrow" w="med" len="med"/>
+          </a:ln>
+          <a:effectLst/>
+        </p:spPr>
+        <p:style>
+          <a:lnRef idx="1">
+            <a:schemeClr val="accent6"/>
+          </a:lnRef>
+          <a:fillRef idx="2">
+            <a:schemeClr val="accent6"/>
+          </a:fillRef>
+          <a:effectRef idx="1">
+            <a:schemeClr val="accent6"/>
+          </a:effectRef>
+          <a:fontRef idx="minor">
+            <a:schemeClr val="dk1"/>
+          </a:fontRef>
+        </p:style>
+      </p:cxnSp>
       <p:sp>
         <p:nvSpPr>
           <p:cNvPr id="73" name="Rectangle 8"/>
@@ -4994,7 +4655,63 @@
         </p:nvSpPr>
         <p:spPr>
           <a:xfrm>
-            <a:off x="7227549" y="2510906"/>
+            <a:off x="7615736" y="2477656"/>
+            <a:ext cx="1259719" cy="346760"/>
+          </a:xfrm>
+          <a:prstGeom prst="rect">
+            <a:avLst/>
+          </a:prstGeom>
+          <a:ln w="19050"/>
+          <a:effectLst/>
+        </p:spPr>
+        <p:style>
+          <a:lnRef idx="1">
+            <a:schemeClr val="accent6"/>
+          </a:lnRef>
+          <a:fillRef idx="2">
+            <a:schemeClr val="accent6"/>
+          </a:fillRef>
+          <a:effectRef idx="1">
+            <a:schemeClr val="accent6"/>
+          </a:effectRef>
+          <a:fontRef idx="minor">
+            <a:schemeClr val="dk1"/>
+          </a:fontRef>
+        </p:style>
+        <p:txBody>
+          <a:bodyPr rtlCol="0" anchor="ctr"/>
+          <a:lstStyle/>
+          <a:p>
+            <a:pPr algn="ctr"/>
+            <a:r>
+              <a:rPr lang="en-US" sz="1050" b="1" dirty="0" err="1">
+                <a:solidFill>
+                  <a:schemeClr val="accent6">
+                    <a:lumMod val="75000"/>
+                  </a:schemeClr>
+                </a:solidFill>
+              </a:rPr>
+              <a:t>JsonAdaptedTag</a:t>
+            </a:r>
+            <a:endParaRPr lang="en-SG" sz="1050" b="1" dirty="0">
+              <a:solidFill>
+                <a:schemeClr val="accent6">
+                  <a:lumMod val="75000"/>
+                </a:schemeClr>
+              </a:solidFill>
+            </a:endParaRPr>
+          </a:p>
+        </p:txBody>
+      </p:sp>
+      <p:sp>
+        <p:nvSpPr>
+          <p:cNvPr id="74" name="Rectangle 8"/>
+          <p:cNvSpPr/>
+          <p:nvPr/>
+        </p:nvSpPr>
+        <p:spPr>
+          <a:xfrm>
+            <a:off x="7615738" y="3159624"/>
             <a:ext cx="1259718" cy="346760"/>
           </a:xfrm>
           <a:prstGeom prst="rect">
@@ -5023,66 +4740,22 @@
           <a:p>
             <a:pPr algn="ctr"/>
             <a:r>
-              <a:rPr lang="en-US" sz="1050" b="1">
+              <a:rPr lang="en-US" sz="1030" b="1" dirty="0" err="1">
                 <a:solidFill>
                   <a:schemeClr val="accent6">
                     <a:lumMod val="75000"/>
                   </a:schemeClr>
                 </a:solidFill>
               </a:rPr>
-              <a:t>XmlAdaptedOrder</a:t>
-            </a:r>
-            <a:endParaRPr lang="en-US"/>
-          </a:p>
-        </p:txBody>
-      </p:sp>
-      <p:sp>
-        <p:nvSpPr>
-          <p:cNvPr id="74" name="Rectangle 8"/>
-          <p:cNvSpPr/>
-          <p:nvPr/>
-        </p:nvSpPr>
-        <p:spPr>
-          <a:xfrm>
-            <a:off x="7299436" y="3095827"/>
-            <a:ext cx="1105162" cy="346760"/>
-          </a:xfrm>
-          <a:prstGeom prst="rect">
-            <a:avLst/>
-          </a:prstGeom>
-          <a:ln w="19050"/>
-          <a:effectLst/>
-        </p:spPr>
-        <p:style>
-          <a:lnRef idx="1">
-            <a:schemeClr val="accent6"/>
-          </a:lnRef>
-          <a:fillRef idx="2">
-            <a:schemeClr val="accent6"/>
-          </a:fillRef>
-          <a:effectRef idx="1">
-            <a:schemeClr val="accent6"/>
-          </a:effectRef>
-          <a:fontRef idx="minor">
-            <a:schemeClr val="dk1"/>
-          </a:fontRef>
-        </p:style>
-        <p:txBody>
-          <a:bodyPr rtlCol="0" anchor="ctr"/>
-          <a:lstStyle/>
-          <a:p>
-            <a:pPr algn="ctr"/>
-            <a:r>
-              <a:rPr lang="en-US" sz="1050" b="1">
-                <a:solidFill>
-                  <a:schemeClr val="accent6">
-                    <a:lumMod val="75000"/>
-                  </a:schemeClr>
-                </a:solidFill>
-              </a:rPr>
-              <a:t>XmlSerializableOrderBook</a:t>
-            </a:r>
-            <a:endParaRPr lang="en-US"/>
+              <a:t>JsonAdaptedPerson</a:t>
+            </a:r>
+            <a:endParaRPr lang="en-SG" sz="1030" b="1" dirty="0">
+              <a:solidFill>
+                <a:schemeClr val="accent6">
+                  <a:lumMod val="75000"/>
+                </a:schemeClr>
+              </a:solidFill>
+            </a:endParaRPr>
           </a:p>
         </p:txBody>
       </p:sp>
@@ -5090,13 +4763,14 @@
         <p:nvCxnSpPr>
           <p:cNvPr id="77" name="Elbow Connector 122"/>
           <p:cNvCxnSpPr>
-            <a:cxnSpLocks/>
+            <a:stCxn id="66" idx="3"/>
+            <a:endCxn id="74" idx="1"/>
           </p:cNvCxnSpPr>
           <p:nvPr/>
         </p:nvCxnSpPr>
         <p:spPr>
           <a:xfrm flipV="1">
-            <a:off x="6907799" y="3301555"/>
+            <a:off x="7220507" y="3333004"/>
             <a:ext cx="395231" cy="786"/>
           </a:xfrm>
           <a:prstGeom prst="bentConnector3">
@@ -5126,823 +4800,6 @@
           </a:fontRef>
         </p:style>
       </p:cxnSp>
-      <p:sp>
-        <p:nvSpPr>
-          <p:cNvPr id="30" name="Rectangle 8">
-            <a:extLst>
-              <a:ext uri="{FF2B5EF4-FFF2-40B4-BE49-F238E27FC236}">
-                <a16:creationId xmlns:a16="http://schemas.microsoft.com/office/drawing/2014/main" id="{367C9AFE-2593-4350-A75D-FD9C44CB57B4}"/>
-              </a:ext>
-            </a:extLst>
-          </p:cNvPr>
-          <p:cNvSpPr/>
-          <p:nvPr/>
-        </p:nvSpPr>
-        <p:spPr>
-          <a:xfrm>
-            <a:off x="2880774" y="3932123"/>
-            <a:ext cx="1323049" cy="346760"/>
-          </a:xfrm>
-          <a:prstGeom prst="rect">
-            <a:avLst/>
-          </a:prstGeom>
-          <a:solidFill>
-            <a:schemeClr val="accent6">
-              <a:lumMod val="75000"/>
-            </a:schemeClr>
-          </a:solidFill>
-          <a:ln w="19050">
-            <a:solidFill>
-              <a:schemeClr val="accent6">
-                <a:lumMod val="75000"/>
-              </a:schemeClr>
-            </a:solidFill>
-          </a:ln>
-          <a:effectLst/>
-        </p:spPr>
-        <p:style>
-          <a:lnRef idx="1">
-            <a:schemeClr val="accent2"/>
-          </a:lnRef>
-          <a:fillRef idx="2">
-            <a:schemeClr val="accent2"/>
-          </a:fillRef>
-          <a:effectRef idx="1">
-            <a:schemeClr val="accent2"/>
-          </a:effectRef>
-          <a:fontRef idx="minor">
-            <a:schemeClr val="dk1"/>
-          </a:fontRef>
-        </p:style>
-        <p:txBody>
-          <a:bodyPr rtlCol="0" anchor="ctr"/>
-          <a:lstStyle/>
-          <a:p>
-            <a:pPr algn="ctr"/>
-            <a:r>
-              <a:rPr lang="en-US" sz="1050">
-                <a:solidFill>
-                  <a:schemeClr val="bg1"/>
-                </a:solidFill>
-                <a:cs typeface="Calibri"/>
-              </a:rPr>
-              <a:t>&lt;&lt;interface&gt;&gt;</a:t>
-            </a:r>
-            <a:endParaRPr lang="en-US" sz="1050">
-              <a:solidFill>
-                <a:schemeClr val="bg1"/>
-              </a:solidFill>
-            </a:endParaRPr>
-          </a:p>
-          <a:p>
-            <a:pPr algn="ctr"/>
-            <a:r>
-              <a:rPr lang="en-US" sz="1050" err="1">
-                <a:solidFill>
-                  <a:schemeClr val="bg1"/>
-                </a:solidFill>
-              </a:rPr>
-              <a:t>UsersListStorage</a:t>
-            </a:r>
-            <a:endParaRPr lang="en-US" err="1">
-              <a:solidFill>
-                <a:schemeClr val="bg1"/>
-              </a:solidFill>
-              <a:cs typeface="Calibri"/>
-            </a:endParaRPr>
-          </a:p>
-        </p:txBody>
-      </p:sp>
-      <p:cxnSp>
-        <p:nvCxnSpPr>
-          <p:cNvPr id="31" name="Straight Arrow Connector 30">
-            <a:extLst>
-              <a:ext uri="{FF2B5EF4-FFF2-40B4-BE49-F238E27FC236}">
-                <a16:creationId xmlns:a16="http://schemas.microsoft.com/office/drawing/2014/main" id="{8B424672-92AB-4578-AF40-C151F7A5AB3B}"/>
-              </a:ext>
-            </a:extLst>
-          </p:cNvPr>
-          <p:cNvCxnSpPr>
-            <a:cxnSpLocks/>
-          </p:cNvCxnSpPr>
-          <p:nvPr/>
-        </p:nvCxnSpPr>
-        <p:spPr>
-          <a:xfrm flipV="1">
-            <a:off x="2659964" y="4099215"/>
-            <a:ext cx="217216" cy="1004"/>
-          </a:xfrm>
-          <a:prstGeom prst="straightConnector1">
-            <a:avLst/>
-          </a:prstGeom>
-          <a:ln w="19050">
-            <a:solidFill>
-              <a:schemeClr val="accent6">
-                <a:lumMod val="75000"/>
-              </a:schemeClr>
-            </a:solidFill>
-            <a:headEnd type="none" w="med" len="med"/>
-            <a:tailEnd type="arrow" w="med" len="med"/>
-          </a:ln>
-          <a:effectLst/>
-        </p:spPr>
-        <p:style>
-          <a:lnRef idx="1">
-            <a:schemeClr val="accent2"/>
-          </a:lnRef>
-          <a:fillRef idx="2">
-            <a:schemeClr val="accent2"/>
-          </a:fillRef>
-          <a:effectRef idx="1">
-            <a:schemeClr val="accent2"/>
-          </a:effectRef>
-          <a:fontRef idx="minor">
-            <a:schemeClr val="dk1"/>
-          </a:fontRef>
-        </p:style>
-      </p:cxnSp>
-      <p:sp>
-        <p:nvSpPr>
-          <p:cNvPr id="32" name="Flowchart: Decision 96">
-            <a:extLst>
-              <a:ext uri="{FF2B5EF4-FFF2-40B4-BE49-F238E27FC236}">
-                <a16:creationId xmlns:a16="http://schemas.microsoft.com/office/drawing/2014/main" id="{3AC7F8A2-C75A-4DAD-8668-70C0EF3345E2}"/>
-              </a:ext>
-            </a:extLst>
-          </p:cNvPr>
-          <p:cNvSpPr/>
-          <p:nvPr/>
-        </p:nvSpPr>
-        <p:spPr>
-          <a:xfrm>
-            <a:off x="2423916" y="4013529"/>
-            <a:ext cx="236048" cy="173380"/>
-          </a:xfrm>
-          <a:prstGeom prst="flowChartDecision">
-            <a:avLst/>
-          </a:prstGeom>
-          <a:noFill/>
-          <a:ln w="19050">
-            <a:solidFill>
-              <a:schemeClr val="accent6">
-                <a:lumMod val="75000"/>
-              </a:schemeClr>
-            </a:solidFill>
-          </a:ln>
-          <a:effectLst/>
-        </p:spPr>
-        <p:style>
-          <a:lnRef idx="1">
-            <a:schemeClr val="accent2"/>
-          </a:lnRef>
-          <a:fillRef idx="2">
-            <a:schemeClr val="accent2"/>
-          </a:fillRef>
-          <a:effectRef idx="1">
-            <a:schemeClr val="accent2"/>
-          </a:effectRef>
-          <a:fontRef idx="minor">
-            <a:schemeClr val="dk1"/>
-          </a:fontRef>
-        </p:style>
-        <p:txBody>
-          <a:bodyPr rtlCol="0" anchor="ctr"/>
-          <a:lstStyle/>
-          <a:p>
-            <a:pPr algn="ctr"/>
-            <a:endParaRPr lang="en-US" sz="1050">
-              <a:solidFill>
-                <a:schemeClr val="bg1"/>
-              </a:solidFill>
-            </a:endParaRPr>
-          </a:p>
-        </p:txBody>
-      </p:sp>
-      <p:sp>
-        <p:nvSpPr>
-          <p:cNvPr id="29" name="Rectangle 8">
-            <a:extLst>
-              <a:ext uri="{FF2B5EF4-FFF2-40B4-BE49-F238E27FC236}">
-                <a16:creationId xmlns:a16="http://schemas.microsoft.com/office/drawing/2014/main" id="{65952621-7961-4108-A51C-965A4A2A2421}"/>
-              </a:ext>
-            </a:extLst>
-          </p:cNvPr>
-          <p:cNvSpPr/>
-          <p:nvPr/>
-        </p:nvSpPr>
-        <p:spPr>
-          <a:xfrm>
-            <a:off x="7299435" y="3523552"/>
-            <a:ext cx="1105162" cy="346760"/>
-          </a:xfrm>
-          <a:prstGeom prst="rect">
-            <a:avLst/>
-          </a:prstGeom>
-          <a:ln w="19050"/>
-          <a:effectLst/>
-        </p:spPr>
-        <p:style>
-          <a:lnRef idx="1">
-            <a:schemeClr val="accent6"/>
-          </a:lnRef>
-          <a:fillRef idx="2">
-            <a:schemeClr val="accent6"/>
-          </a:fillRef>
-          <a:effectRef idx="1">
-            <a:schemeClr val="accent6"/>
-          </a:effectRef>
-          <a:fontRef idx="minor">
-            <a:schemeClr val="dk1"/>
-          </a:fontRef>
-        </p:style>
-        <p:txBody>
-          <a:bodyPr rtlCol="0" anchor="ctr"/>
-          <a:lstStyle/>
-          <a:p>
-            <a:pPr algn="ctr"/>
-            <a:r>
-              <a:rPr lang="en-US" sz="1050" b="1">
-                <a:solidFill>
-                  <a:schemeClr val="accent6">
-                    <a:lumMod val="75000"/>
-                  </a:schemeClr>
-                </a:solidFill>
-              </a:rPr>
-              <a:t>XmlSerializableDeliverymenList</a:t>
-            </a:r>
-            <a:endParaRPr lang="en-US">
-              <a:solidFill>
-                <a:schemeClr val="accent6">
-                  <a:lumMod val="75000"/>
-                </a:schemeClr>
-              </a:solidFill>
-            </a:endParaRPr>
-          </a:p>
-        </p:txBody>
-      </p:sp>
-      <p:cxnSp>
-        <p:nvCxnSpPr>
-          <p:cNvPr id="33" name="Elbow Connector 122">
-            <a:extLst>
-              <a:ext uri="{FF2B5EF4-FFF2-40B4-BE49-F238E27FC236}">
-                <a16:creationId xmlns:a16="http://schemas.microsoft.com/office/drawing/2014/main" id="{CDE5FCE6-868C-4377-B9ED-6A9C210DBD53}"/>
-              </a:ext>
-            </a:extLst>
-          </p:cNvPr>
-          <p:cNvCxnSpPr>
-            <a:cxnSpLocks/>
-          </p:cNvCxnSpPr>
-          <p:nvPr/>
-        </p:nvCxnSpPr>
-        <p:spPr>
-          <a:xfrm flipV="1">
-            <a:off x="6900610" y="3722092"/>
-            <a:ext cx="395231" cy="786"/>
-          </a:xfrm>
-          <a:prstGeom prst="bentConnector3">
-            <a:avLst>
-              <a:gd name="adj1" fmla="val 50000"/>
-            </a:avLst>
-          </a:prstGeom>
-          <a:ln w="19050">
-            <a:prstDash val="sysDot"/>
-            <a:headEnd type="none" w="med" len="med"/>
-            <a:tailEnd type="arrow" w="med" len="med"/>
-          </a:ln>
-          <a:effectLst/>
-        </p:spPr>
-        <p:style>
-          <a:lnRef idx="1">
-            <a:schemeClr val="accent6"/>
-          </a:lnRef>
-          <a:fillRef idx="2">
-            <a:schemeClr val="accent6"/>
-          </a:fillRef>
-          <a:effectRef idx="1">
-            <a:schemeClr val="accent6"/>
-          </a:effectRef>
-          <a:fontRef idx="minor">
-            <a:schemeClr val="dk1"/>
-          </a:fontRef>
-        </p:style>
-      </p:cxnSp>
-      <p:cxnSp>
-        <p:nvCxnSpPr>
-          <p:cNvPr id="4" name="Straight Arrow Connector 3">
-            <a:extLst>
-              <a:ext uri="{FF2B5EF4-FFF2-40B4-BE49-F238E27FC236}">
-                <a16:creationId xmlns:a16="http://schemas.microsoft.com/office/drawing/2014/main" id="{ABDDF4CA-3DD3-4FE3-BD1F-8822DEF8AC69}"/>
-              </a:ext>
-            </a:extLst>
-          </p:cNvPr>
-          <p:cNvCxnSpPr/>
-          <p:nvPr/>
-        </p:nvCxnSpPr>
-        <p:spPr>
-          <a:xfrm flipH="1" flipV="1">
-            <a:off x="7893888" y="2876190"/>
-            <a:ext cx="5750" cy="196250"/>
-          </a:xfrm>
-          <a:prstGeom prst="straightConnector1">
-            <a:avLst/>
-          </a:prstGeom>
-          <a:ln w="19050">
-            <a:prstDash val="sysDot"/>
-            <a:headEnd type="none" w="med" len="med"/>
-            <a:tailEnd type="arrow" w="med" len="med"/>
-          </a:ln>
-          <a:effectLst/>
-        </p:spPr>
-        <p:style>
-          <a:lnRef idx="1">
-            <a:schemeClr val="accent6"/>
-          </a:lnRef>
-          <a:fillRef idx="2">
-            <a:schemeClr val="accent6"/>
-          </a:fillRef>
-          <a:effectRef idx="1">
-            <a:schemeClr val="accent6"/>
-          </a:effectRef>
-          <a:fontRef idx="minor">
-            <a:schemeClr val="dk1"/>
-          </a:fontRef>
-        </p:style>
-      </p:cxnSp>
-      <p:cxnSp>
-        <p:nvCxnSpPr>
-          <p:cNvPr id="36" name="Straight Arrow Connector 35">
-            <a:extLst>
-              <a:ext uri="{FF2B5EF4-FFF2-40B4-BE49-F238E27FC236}">
-                <a16:creationId xmlns:a16="http://schemas.microsoft.com/office/drawing/2014/main" id="{38899B10-78D3-4919-B1B3-EE1EEA925BB3}"/>
-              </a:ext>
-            </a:extLst>
-          </p:cNvPr>
-          <p:cNvCxnSpPr>
-            <a:cxnSpLocks/>
-          </p:cNvCxnSpPr>
-          <p:nvPr/>
-        </p:nvCxnSpPr>
-        <p:spPr>
-          <a:xfrm flipH="1">
-            <a:off x="7886699" y="3852411"/>
-            <a:ext cx="5750" cy="271013"/>
-          </a:xfrm>
-          <a:prstGeom prst="straightConnector1">
-            <a:avLst/>
-          </a:prstGeom>
-          <a:ln w="19050">
-            <a:prstDash val="sysDot"/>
-            <a:headEnd type="none" w="med" len="med"/>
-            <a:tailEnd type="arrow" w="med" len="med"/>
-          </a:ln>
-          <a:effectLst/>
-        </p:spPr>
-        <p:style>
-          <a:lnRef idx="1">
-            <a:schemeClr val="accent6"/>
-          </a:lnRef>
-          <a:fillRef idx="2">
-            <a:schemeClr val="accent6"/>
-          </a:fillRef>
-          <a:effectRef idx="1">
-            <a:schemeClr val="accent6"/>
-          </a:effectRef>
-          <a:fontRef idx="minor">
-            <a:schemeClr val="dk1"/>
-          </a:fontRef>
-        </p:style>
-      </p:cxnSp>
-      <p:sp>
-        <p:nvSpPr>
-          <p:cNvPr id="37" name="Rectangle 8">
-            <a:extLst>
-              <a:ext uri="{FF2B5EF4-FFF2-40B4-BE49-F238E27FC236}">
-                <a16:creationId xmlns:a16="http://schemas.microsoft.com/office/drawing/2014/main" id="{9BCC6247-09D4-492F-9381-EF3ED4CA7E07}"/>
-              </a:ext>
-            </a:extLst>
-          </p:cNvPr>
-          <p:cNvSpPr/>
-          <p:nvPr/>
-        </p:nvSpPr>
-        <p:spPr>
-          <a:xfrm>
-            <a:off x="7180823" y="4121170"/>
-            <a:ext cx="1734168" cy="346760"/>
-          </a:xfrm>
-          <a:prstGeom prst="rect">
-            <a:avLst/>
-          </a:prstGeom>
-          <a:ln w="19050"/>
-          <a:effectLst/>
-        </p:spPr>
-        <p:style>
-          <a:lnRef idx="1">
-            <a:schemeClr val="accent6"/>
-          </a:lnRef>
-          <a:fillRef idx="2">
-            <a:schemeClr val="accent6"/>
-          </a:fillRef>
-          <a:effectRef idx="1">
-            <a:schemeClr val="accent6"/>
-          </a:effectRef>
-          <a:fontRef idx="minor">
-            <a:schemeClr val="dk1"/>
-          </a:fontRef>
-        </p:style>
-        <p:txBody>
-          <a:bodyPr rtlCol="0" anchor="ctr"/>
-          <a:lstStyle/>
-          <a:p>
-            <a:pPr algn="ctr"/>
-            <a:r>
-              <a:rPr lang="en-US" sz="1050" b="1">
-                <a:solidFill>
-                  <a:schemeClr val="accent6">
-                    <a:lumMod val="75000"/>
-                  </a:schemeClr>
-                </a:solidFill>
-              </a:rPr>
-              <a:t>XmlAdaptedDeliveryman</a:t>
-            </a:r>
-            <a:endParaRPr lang="en-US"/>
-          </a:p>
-        </p:txBody>
-      </p:sp>
-      <p:cxnSp>
-        <p:nvCxnSpPr>
-          <p:cNvPr id="38" name="Elbow Connector 63">
-            <a:extLst>
-              <a:ext uri="{FF2B5EF4-FFF2-40B4-BE49-F238E27FC236}">
-                <a16:creationId xmlns:a16="http://schemas.microsoft.com/office/drawing/2014/main" id="{C06590A8-159F-4C4A-B129-4A84B624FC6B}"/>
-              </a:ext>
-            </a:extLst>
-          </p:cNvPr>
-          <p:cNvCxnSpPr>
-            <a:cxnSpLocks/>
-          </p:cNvCxnSpPr>
-          <p:nvPr/>
-        </p:nvCxnSpPr>
-        <p:spPr>
-          <a:xfrm flipV="1">
-            <a:off x="4401635" y="4130663"/>
-            <a:ext cx="223324" cy="1"/>
-          </a:xfrm>
-          <a:prstGeom prst="bentConnector3">
-            <a:avLst>
-              <a:gd name="adj1" fmla="val 50000"/>
-            </a:avLst>
-          </a:prstGeom>
-          <a:ln w="19050">
-            <a:solidFill>
-              <a:schemeClr val="accent6">
-                <a:lumMod val="75000"/>
-              </a:schemeClr>
-            </a:solidFill>
-            <a:prstDash val="sysDot"/>
-            <a:headEnd type="none" w="med" len="med"/>
-            <a:tailEnd type="none" w="med" len="med"/>
-          </a:ln>
-          <a:effectLst/>
-        </p:spPr>
-        <p:style>
-          <a:lnRef idx="1">
-            <a:schemeClr val="accent2"/>
-          </a:lnRef>
-          <a:fillRef idx="2">
-            <a:schemeClr val="accent2"/>
-          </a:fillRef>
-          <a:effectRef idx="1">
-            <a:schemeClr val="accent2"/>
-          </a:effectRef>
-          <a:fontRef idx="minor">
-            <a:schemeClr val="dk1"/>
-          </a:fontRef>
-        </p:style>
-      </p:cxnSp>
-      <p:sp>
-        <p:nvSpPr>
-          <p:cNvPr id="39" name="Isosceles Triangle 102">
-            <a:extLst>
-              <a:ext uri="{FF2B5EF4-FFF2-40B4-BE49-F238E27FC236}">
-                <a16:creationId xmlns:a16="http://schemas.microsoft.com/office/drawing/2014/main" id="{F5D8B78D-0F72-4F43-B1B6-DBEAE8D8AA5A}"/>
-              </a:ext>
-            </a:extLst>
-          </p:cNvPr>
-          <p:cNvSpPr/>
-          <p:nvPr/>
-        </p:nvSpPr>
-        <p:spPr>
-          <a:xfrm rot="5400000" flipV="1">
-            <a:off x="4203781" y="4017742"/>
-            <a:ext cx="220184" cy="175523"/>
-          </a:xfrm>
-          <a:prstGeom prst="triangle">
-            <a:avLst/>
-          </a:prstGeom>
-          <a:solidFill>
-            <a:schemeClr val="accent6">
-              <a:lumMod val="75000"/>
-            </a:schemeClr>
-          </a:solidFill>
-          <a:ln w="19050">
-            <a:solidFill>
-              <a:schemeClr val="accent6">
-                <a:lumMod val="75000"/>
-              </a:schemeClr>
-            </a:solidFill>
-          </a:ln>
-          <a:effectLst/>
-        </p:spPr>
-        <p:style>
-          <a:lnRef idx="1">
-            <a:schemeClr val="accent2"/>
-          </a:lnRef>
-          <a:fillRef idx="2">
-            <a:schemeClr val="accent2"/>
-          </a:fillRef>
-          <a:effectRef idx="1">
-            <a:schemeClr val="accent2"/>
-          </a:effectRef>
-          <a:fontRef idx="minor">
-            <a:schemeClr val="dk1"/>
-          </a:fontRef>
-        </p:style>
-        <p:txBody>
-          <a:bodyPr rtlCol="0" anchor="ctr"/>
-          <a:lstStyle/>
-          <a:p>
-            <a:pPr algn="ctr"/>
-            <a:endParaRPr lang="en-SG" sz="1050">
-              <a:solidFill>
-                <a:schemeClr val="bg1"/>
-              </a:solidFill>
-            </a:endParaRPr>
-          </a:p>
-        </p:txBody>
-      </p:sp>
-      <p:sp>
-        <p:nvSpPr>
-          <p:cNvPr id="40" name="Rectangle 8">
-            <a:extLst>
-              <a:ext uri="{FF2B5EF4-FFF2-40B4-BE49-F238E27FC236}">
-                <a16:creationId xmlns:a16="http://schemas.microsoft.com/office/drawing/2014/main" id="{576AE358-3053-4B1D-BE33-5C5D1BA5E2D5}"/>
-              </a:ext>
-            </a:extLst>
-          </p:cNvPr>
-          <p:cNvSpPr/>
-          <p:nvPr/>
-        </p:nvSpPr>
-        <p:spPr>
-          <a:xfrm>
-            <a:off x="4621365" y="3932123"/>
-            <a:ext cx="1044035" cy="364733"/>
-          </a:xfrm>
-          <a:prstGeom prst="rect">
-            <a:avLst/>
-          </a:prstGeom>
-          <a:ln w="19050"/>
-          <a:effectLst/>
-        </p:spPr>
-        <p:style>
-          <a:lnRef idx="1">
-            <a:schemeClr val="accent6"/>
-          </a:lnRef>
-          <a:fillRef idx="2">
-            <a:schemeClr val="accent6"/>
-          </a:fillRef>
-          <a:effectRef idx="1">
-            <a:schemeClr val="accent6"/>
-          </a:effectRef>
-          <a:fontRef idx="minor">
-            <a:schemeClr val="dk1"/>
-          </a:fontRef>
-        </p:style>
-        <p:txBody>
-          <a:bodyPr rtlCol="0" anchor="ctr"/>
-          <a:lstStyle/>
-          <a:p>
-            <a:pPr algn="ctr"/>
-            <a:r>
-              <a:rPr lang="en-US" sz="1050" b="1">
-                <a:solidFill>
-                  <a:schemeClr val="accent6">
-                    <a:lumMod val="75000"/>
-                  </a:schemeClr>
-                </a:solidFill>
-              </a:rPr>
-              <a:t>XmlUsersList Storage</a:t>
-            </a:r>
-            <a:endParaRPr lang="en-US"/>
-          </a:p>
-        </p:txBody>
-      </p:sp>
-      <p:cxnSp>
-        <p:nvCxnSpPr>
-          <p:cNvPr id="41" name="Elbow Connector 122">
-            <a:extLst>
-              <a:ext uri="{FF2B5EF4-FFF2-40B4-BE49-F238E27FC236}">
-                <a16:creationId xmlns:a16="http://schemas.microsoft.com/office/drawing/2014/main" id="{9662CE0B-162C-4FA9-A6F7-5D08F1238F35}"/>
-              </a:ext>
-            </a:extLst>
-          </p:cNvPr>
-          <p:cNvCxnSpPr>
-            <a:cxnSpLocks/>
-          </p:cNvCxnSpPr>
-          <p:nvPr/>
-        </p:nvCxnSpPr>
-        <p:spPr>
-          <a:xfrm>
-            <a:off x="5651020" y="4112692"/>
-            <a:ext cx="228600" cy="1970"/>
-          </a:xfrm>
-          <a:prstGeom prst="bentConnector3">
-            <a:avLst>
-              <a:gd name="adj1" fmla="val 50000"/>
-            </a:avLst>
-          </a:prstGeom>
-          <a:ln w="19050">
-            <a:solidFill>
-              <a:schemeClr val="accent6">
-                <a:lumMod val="75000"/>
-              </a:schemeClr>
-            </a:solidFill>
-            <a:prstDash val="sysDot"/>
-            <a:headEnd type="none" w="med" len="med"/>
-            <a:tailEnd type="arrow" w="med" len="med"/>
-          </a:ln>
-          <a:effectLst/>
-        </p:spPr>
-        <p:style>
-          <a:lnRef idx="1">
-            <a:schemeClr val="accent2"/>
-          </a:lnRef>
-          <a:fillRef idx="2">
-            <a:schemeClr val="accent2"/>
-          </a:fillRef>
-          <a:effectRef idx="1">
-            <a:schemeClr val="accent2"/>
-          </a:effectRef>
-          <a:fontRef idx="minor">
-            <a:schemeClr val="dk1"/>
-          </a:fontRef>
-        </p:style>
-      </p:cxnSp>
-      <p:sp>
-        <p:nvSpPr>
-          <p:cNvPr id="43" name="Rectangle 8">
-            <a:extLst>
-              <a:ext uri="{FF2B5EF4-FFF2-40B4-BE49-F238E27FC236}">
-                <a16:creationId xmlns:a16="http://schemas.microsoft.com/office/drawing/2014/main" id="{C478C0FF-701D-481F-BD9F-C3FB74B2146F}"/>
-              </a:ext>
-            </a:extLst>
-          </p:cNvPr>
-          <p:cNvSpPr/>
-          <p:nvPr/>
-        </p:nvSpPr>
-        <p:spPr>
-          <a:xfrm>
-            <a:off x="5879620" y="3930499"/>
-            <a:ext cx="1053339" cy="371921"/>
-          </a:xfrm>
-          <a:prstGeom prst="rect">
-            <a:avLst/>
-          </a:prstGeom>
-          <a:ln w="19050"/>
-          <a:effectLst/>
-        </p:spPr>
-        <p:style>
-          <a:lnRef idx="1">
-            <a:schemeClr val="accent6"/>
-          </a:lnRef>
-          <a:fillRef idx="2">
-            <a:schemeClr val="accent6"/>
-          </a:fillRef>
-          <a:effectRef idx="1">
-            <a:schemeClr val="accent6"/>
-          </a:effectRef>
-          <a:fontRef idx="minor">
-            <a:schemeClr val="dk1"/>
-          </a:fontRef>
-        </p:style>
-        <p:txBody>
-          <a:bodyPr rtlCol="0" anchor="ctr"/>
-          <a:lstStyle/>
-          <a:p>
-            <a:pPr algn="ctr"/>
-            <a:r>
-              <a:rPr lang="en-US" sz="1050" b="1">
-                <a:solidFill>
-                  <a:schemeClr val="accent6">
-                    <a:lumMod val="75000"/>
-                  </a:schemeClr>
-                </a:solidFill>
-              </a:rPr>
-              <a:t>XmlSerializableUsersList</a:t>
-            </a:r>
-            <a:endParaRPr lang="en-US"/>
-          </a:p>
-        </p:txBody>
-      </p:sp>
-      <p:cxnSp>
-        <p:nvCxnSpPr>
-          <p:cNvPr id="44" name="Straight Arrow Connector 43">
-            <a:extLst>
-              <a:ext uri="{FF2B5EF4-FFF2-40B4-BE49-F238E27FC236}">
-                <a16:creationId xmlns:a16="http://schemas.microsoft.com/office/drawing/2014/main" id="{83D16E50-278D-4DA5-AB23-236A3FE4EF4E}"/>
-              </a:ext>
-            </a:extLst>
-          </p:cNvPr>
-          <p:cNvCxnSpPr>
-            <a:cxnSpLocks/>
-          </p:cNvCxnSpPr>
-          <p:nvPr/>
-        </p:nvCxnSpPr>
-        <p:spPr>
-          <a:xfrm flipH="1">
-            <a:off x="6395048" y="4301703"/>
-            <a:ext cx="5750" cy="271013"/>
-          </a:xfrm>
-          <a:prstGeom prst="straightConnector1">
-            <a:avLst/>
-          </a:prstGeom>
-          <a:ln w="19050">
-            <a:prstDash val="sysDot"/>
-            <a:headEnd type="none" w="med" len="med"/>
-            <a:tailEnd type="arrow" w="med" len="med"/>
-          </a:ln>
-          <a:effectLst/>
-        </p:spPr>
-        <p:style>
-          <a:lnRef idx="1">
-            <a:schemeClr val="accent6"/>
-          </a:lnRef>
-          <a:fillRef idx="2">
-            <a:schemeClr val="accent6"/>
-          </a:fillRef>
-          <a:effectRef idx="1">
-            <a:schemeClr val="accent6"/>
-          </a:effectRef>
-          <a:fontRef idx="minor">
-            <a:schemeClr val="dk1"/>
-          </a:fontRef>
-        </p:style>
-      </p:cxnSp>
-      <p:sp>
-        <p:nvSpPr>
-          <p:cNvPr id="45" name="Rectangle 8">
-            <a:extLst>
-              <a:ext uri="{FF2B5EF4-FFF2-40B4-BE49-F238E27FC236}">
-                <a16:creationId xmlns:a16="http://schemas.microsoft.com/office/drawing/2014/main" id="{B4AB59F1-1B7E-4230-A54D-3F8BEC96BD4F}"/>
-              </a:ext>
-            </a:extLst>
-          </p:cNvPr>
-          <p:cNvSpPr/>
-          <p:nvPr/>
-        </p:nvSpPr>
-        <p:spPr>
-          <a:xfrm>
-            <a:off x="5717927" y="4570462"/>
-            <a:ext cx="1335196" cy="346760"/>
-          </a:xfrm>
-          <a:prstGeom prst="rect">
-            <a:avLst/>
-          </a:prstGeom>
-          <a:ln w="19050"/>
-          <a:effectLst/>
-        </p:spPr>
-        <p:style>
-          <a:lnRef idx="1">
-            <a:schemeClr val="accent6"/>
-          </a:lnRef>
-          <a:fillRef idx="2">
-            <a:schemeClr val="accent6"/>
-          </a:fillRef>
-          <a:effectRef idx="1">
-            <a:schemeClr val="accent6"/>
-          </a:effectRef>
-          <a:fontRef idx="minor">
-            <a:schemeClr val="dk1"/>
-          </a:fontRef>
-        </p:style>
-        <p:txBody>
-          <a:bodyPr rtlCol="0" anchor="ctr"/>
-          <a:lstStyle/>
-          <a:p>
-            <a:pPr algn="ctr"/>
-            <a:r>
-              <a:rPr lang="en-US" sz="1050" b="1">
-                <a:solidFill>
-                  <a:schemeClr val="accent6">
-                    <a:lumMod val="75000"/>
-                  </a:schemeClr>
-                </a:solidFill>
-              </a:rPr>
-              <a:t>XmlAdaptedUser</a:t>
-            </a:r>
-            <a:endParaRPr lang="en-US"/>
-          </a:p>
-        </p:txBody>
-      </p:sp>
     </p:spTree>
     <p:extLst>
       <p:ext uri="{BB962C8B-B14F-4D97-AF65-F5344CB8AC3E}">
